--- a/Week 3/git.pptx
+++ b/Week 3/git.pptx
@@ -8389,7 +8389,7 @@
         <p:spPr>
           <a:xfrm>
             <a:off x="1478604" y="407446"/>
-            <a:ext cx="10359957" cy="4051558"/>
+            <a:ext cx="10359957" cy="4420890"/>
           </a:xfrm>
           <a:prstGeom prst="rect">
             <a:avLst/>
@@ -8452,6 +8452,14 @@
           </a:p>
           <a:p>
             <a:pPr algn="l"/>
+            <a:endParaRPr lang="en-US" sz="2400" dirty="0"/>
+          </a:p>
+          <a:p>
+            <a:pPr algn="l"/>
+            <a:r>
+              <a:rPr lang="en-US" sz="2400"/>
+              <a:t>C:\Users\Username\.gitconfig</a:t>
+            </a:r>
             <a:endParaRPr lang="en-US" sz="2400" dirty="0"/>
           </a:p>
           <a:p>
